--- a/Sieci komputerowe/Adresy sieciowe.pptx
+++ b/Sieci komputerowe/Adresy sieciowe.pptx
@@ -113,6 +113,11 @@
       </a:defRPr>
     </a:lvl9pPr>
   </p:defaultTextStyle>
+  <p:extLst>
+    <p:ext uri="{EFAFB233-063F-42B5-8137-9DF3F51BA10A}">
+      <p15:sldGuideLst xmlns:p15="http://schemas.microsoft.com/office/powerpoint/2012/main"/>
+    </p:ext>
+  </p:extLst>
 </p:presentation>
 </file>
 
@@ -263,7 +268,7 @@
           <a:p>
             <a:fld id="{0284173D-243A-44B4-9C01-B65F05785D59}" type="datetimeFigureOut">
               <a:rPr lang="pl-PL" smtClean="0"/>
-              <a:t>29.01.2019</a:t>
+              <a:t>03.11.2020</a:t>
             </a:fld>
             <a:endParaRPr lang="pl-PL"/>
           </a:p>
@@ -461,7 +466,7 @@
           <a:p>
             <a:fld id="{0284173D-243A-44B4-9C01-B65F05785D59}" type="datetimeFigureOut">
               <a:rPr lang="pl-PL" smtClean="0"/>
-              <a:t>29.01.2019</a:t>
+              <a:t>03.11.2020</a:t>
             </a:fld>
             <a:endParaRPr lang="pl-PL"/>
           </a:p>
@@ -669,7 +674,7 @@
           <a:p>
             <a:fld id="{0284173D-243A-44B4-9C01-B65F05785D59}" type="datetimeFigureOut">
               <a:rPr lang="pl-PL" smtClean="0"/>
-              <a:t>29.01.2019</a:t>
+              <a:t>03.11.2020</a:t>
             </a:fld>
             <a:endParaRPr lang="pl-PL"/>
           </a:p>
@@ -867,7 +872,7 @@
           <a:p>
             <a:fld id="{0284173D-243A-44B4-9C01-B65F05785D59}" type="datetimeFigureOut">
               <a:rPr lang="pl-PL" smtClean="0"/>
-              <a:t>29.01.2019</a:t>
+              <a:t>03.11.2020</a:t>
             </a:fld>
             <a:endParaRPr lang="pl-PL"/>
           </a:p>
@@ -1142,7 +1147,7 @@
           <a:p>
             <a:fld id="{0284173D-243A-44B4-9C01-B65F05785D59}" type="datetimeFigureOut">
               <a:rPr lang="pl-PL" smtClean="0"/>
-              <a:t>29.01.2019</a:t>
+              <a:t>03.11.2020</a:t>
             </a:fld>
             <a:endParaRPr lang="pl-PL"/>
           </a:p>
@@ -1407,7 +1412,7 @@
           <a:p>
             <a:fld id="{0284173D-243A-44B4-9C01-B65F05785D59}" type="datetimeFigureOut">
               <a:rPr lang="pl-PL" smtClean="0"/>
-              <a:t>29.01.2019</a:t>
+              <a:t>03.11.2020</a:t>
             </a:fld>
             <a:endParaRPr lang="pl-PL"/>
           </a:p>
@@ -1819,7 +1824,7 @@
           <a:p>
             <a:fld id="{0284173D-243A-44B4-9C01-B65F05785D59}" type="datetimeFigureOut">
               <a:rPr lang="pl-PL" smtClean="0"/>
-              <a:t>29.01.2019</a:t>
+              <a:t>03.11.2020</a:t>
             </a:fld>
             <a:endParaRPr lang="pl-PL"/>
           </a:p>
@@ -1960,7 +1965,7 @@
           <a:p>
             <a:fld id="{0284173D-243A-44B4-9C01-B65F05785D59}" type="datetimeFigureOut">
               <a:rPr lang="pl-PL" smtClean="0"/>
-              <a:t>29.01.2019</a:t>
+              <a:t>03.11.2020</a:t>
             </a:fld>
             <a:endParaRPr lang="pl-PL"/>
           </a:p>
@@ -2073,7 +2078,7 @@
           <a:p>
             <a:fld id="{0284173D-243A-44B4-9C01-B65F05785D59}" type="datetimeFigureOut">
               <a:rPr lang="pl-PL" smtClean="0"/>
-              <a:t>29.01.2019</a:t>
+              <a:t>03.11.2020</a:t>
             </a:fld>
             <a:endParaRPr lang="pl-PL"/>
           </a:p>
@@ -2384,7 +2389,7 @@
           <a:p>
             <a:fld id="{0284173D-243A-44B4-9C01-B65F05785D59}" type="datetimeFigureOut">
               <a:rPr lang="pl-PL" smtClean="0"/>
-              <a:t>29.01.2019</a:t>
+              <a:t>03.11.2020</a:t>
             </a:fld>
             <a:endParaRPr lang="pl-PL"/>
           </a:p>
@@ -2672,7 +2677,7 @@
           <a:p>
             <a:fld id="{0284173D-243A-44B4-9C01-B65F05785D59}" type="datetimeFigureOut">
               <a:rPr lang="pl-PL" smtClean="0"/>
-              <a:t>29.01.2019</a:t>
+              <a:t>03.11.2020</a:t>
             </a:fld>
             <a:endParaRPr lang="pl-PL"/>
           </a:p>
@@ -2913,7 +2918,7 @@
           <a:p>
             <a:fld id="{0284173D-243A-44B4-9C01-B65F05785D59}" type="datetimeFigureOut">
               <a:rPr lang="pl-PL" smtClean="0"/>
-              <a:t>29.01.2019</a:t>
+              <a:t>03.11.2020</a:t>
             </a:fld>
             <a:endParaRPr lang="pl-PL"/>
           </a:p>
@@ -3352,9 +3357,10 @@
           <a:lstStyle/>
           <a:p>
             <a:r>
-              <a:rPr lang="pl-PL" dirty="0"/>
+              <a:rPr lang="pl-PL"/>
               <a:t>Adresy sieciowe</a:t>
             </a:r>
+            <a:endParaRPr lang="pl-PL" dirty="0"/>
           </a:p>
         </p:txBody>
       </p:sp>
@@ -3555,131 +3561,100 @@
           <a:lstStyle/>
           <a:p>
             <a:r>
-              <a:rPr lang="pl-PL" dirty="0"/>
+              <a:rPr lang="pl-PL"/>
               <a:t>Obecnie najczęściej wykorzystujemy sieci oparte o </a:t>
             </a:r>
             <a:r>
-              <a:rPr lang="pl-PL" b="1" dirty="0"/>
+              <a:rPr lang="pl-PL" b="1"/>
               <a:t>TCP/IP</a:t>
             </a:r>
           </a:p>
           <a:p>
             <a:r>
-              <a:rPr lang="pl-PL" dirty="0"/>
+              <a:rPr lang="pl-PL"/>
               <a:t>Protokół </a:t>
             </a:r>
             <a:r>
-              <a:rPr lang="pl-PL" b="1" dirty="0"/>
-              <a:t>IP (Internet </a:t>
-            </a:r>
-            <a:r>
-              <a:rPr lang="pl-PL" b="1" dirty="0" err="1"/>
-              <a:t>Protocol</a:t>
-            </a:r>
-            <a:r>
-              <a:rPr lang="pl-PL" b="1" dirty="0"/>
-              <a:t>)</a:t>
-            </a:r>
-            <a:r>
-              <a:rPr lang="pl-PL" dirty="0"/>
+              <a:rPr lang="pl-PL" b="1"/>
+              <a:t>IP (Internet Protocol)</a:t>
+            </a:r>
+            <a:r>
+              <a:rPr lang="pl-PL"/>
               <a:t> realizuje </a:t>
             </a:r>
             <a:r>
-              <a:rPr lang="pl-PL" u="sng" dirty="0"/>
+              <a:rPr lang="pl-PL" u="sng"/>
               <a:t>warstwę sieciową</a:t>
             </a:r>
           </a:p>
           <a:p>
             <a:r>
-              <a:rPr lang="pl-PL" dirty="0"/>
+              <a:rPr lang="pl-PL"/>
               <a:t>Protokół </a:t>
             </a:r>
             <a:r>
-              <a:rPr lang="pl-PL" b="1" dirty="0"/>
+              <a:rPr lang="pl-PL" b="1"/>
               <a:t>TCP</a:t>
             </a:r>
             <a:r>
-              <a:rPr lang="pl-PL" dirty="0"/>
+              <a:rPr lang="pl-PL"/>
               <a:t> </a:t>
             </a:r>
             <a:r>
-              <a:rPr lang="pl-PL" b="1" dirty="0"/>
-              <a:t>(Transport Control </a:t>
-            </a:r>
-            <a:r>
-              <a:rPr lang="pl-PL" b="1" dirty="0" err="1"/>
-              <a:t>Protocol</a:t>
-            </a:r>
-            <a:r>
-              <a:rPr lang="pl-PL" b="1" dirty="0"/>
-              <a:t>)</a:t>
+              <a:rPr lang="pl-PL" b="1"/>
+              <a:t>(Transport Control Protocol)</a:t>
             </a:r>
             <a:br>
-              <a:rPr lang="pl-PL" b="1" dirty="0"/>
+              <a:rPr lang="pl-PL" b="1"/>
             </a:br>
             <a:r>
-              <a:rPr lang="pl-PL" dirty="0"/>
+              <a:rPr lang="pl-PL"/>
               <a:t>oraz protokół </a:t>
             </a:r>
             <a:r>
-              <a:rPr lang="pl-PL" b="1" dirty="0"/>
+              <a:rPr lang="pl-PL" b="1"/>
               <a:t>UDP</a:t>
             </a:r>
             <a:r>
-              <a:rPr lang="pl-PL" dirty="0"/>
+              <a:rPr lang="pl-PL"/>
               <a:t> </a:t>
             </a:r>
             <a:r>
-              <a:rPr lang="pl-PL" b="1" dirty="0"/>
-              <a:t>(User </a:t>
-            </a:r>
-            <a:r>
-              <a:rPr lang="pl-PL" b="1" dirty="0" err="1"/>
-              <a:t>Datagrams</a:t>
-            </a:r>
-            <a:r>
-              <a:rPr lang="pl-PL" b="1" dirty="0"/>
-              <a:t> </a:t>
-            </a:r>
-            <a:r>
-              <a:rPr lang="pl-PL" b="1" dirty="0" err="1"/>
-              <a:t>Protocol</a:t>
-            </a:r>
-            <a:r>
-              <a:rPr lang="pl-PL" b="1" dirty="0"/>
-              <a:t>)</a:t>
+              <a:rPr lang="pl-PL" b="1"/>
+              <a:t>(User Datagrams Protocol)</a:t>
             </a:r>
             <a:br>
-              <a:rPr lang="pl-PL" b="1" dirty="0"/>
+              <a:rPr lang="pl-PL" b="1"/>
             </a:br>
             <a:r>
-              <a:rPr lang="pl-PL" dirty="0"/>
+              <a:rPr lang="pl-PL"/>
               <a:t>realizują </a:t>
             </a:r>
             <a:r>
-              <a:rPr lang="pl-PL" u="sng" dirty="0"/>
+              <a:rPr lang="pl-PL" u="sng"/>
               <a:t>warstwę transportu</a:t>
             </a:r>
           </a:p>
           <a:p>
             <a:r>
-              <a:rPr lang="pl-PL" dirty="0"/>
+              <a:rPr lang="pl-PL"/>
               <a:t>Powszechnie używane są dwie wersje protokołu IP:</a:t>
             </a:r>
           </a:p>
           <a:p>
             <a:pPr lvl="1"/>
             <a:r>
-              <a:rPr lang="pl-PL" sz="2800" dirty="0"/>
+              <a:rPr lang="pl-PL" sz="2800"/>
               <a:t>IPv4 – 32-bity</a:t>
             </a:r>
           </a:p>
           <a:p>
             <a:pPr lvl="1"/>
             <a:r>
-              <a:rPr lang="pl-PL" sz="2800" dirty="0"/>
+              <a:rPr lang="pl-PL" sz="2800"/>
               <a:t>IPv6 – 128-bitów</a:t>
             </a:r>
+            <a:endParaRPr lang="pl-PL" sz="2800" dirty="0"/>
           </a:p>
         </p:txBody>
       </p:sp>
@@ -3735,9 +3710,10 @@
           <a:lstStyle/>
           <a:p>
             <a:r>
-              <a:rPr lang="pl-PL" dirty="0"/>
+              <a:rPr lang="pl-PL"/>
               <a:t>Adres sieciowy IPv4</a:t>
             </a:r>
+            <a:endParaRPr lang="pl-PL" dirty="0"/>
           </a:p>
         </p:txBody>
       </p:sp>
@@ -3803,14 +3779,18 @@
               <a:buNone/>
             </a:pPr>
             <a:r>
-              <a:rPr lang="pl-PL" b="1" dirty="0"/>
+              <a:rPr lang="pl-PL" b="1"/>
               <a:t>192.168.0.1</a:t>
             </a:r>
           </a:p>
           <a:p>
             <a:r>
+              <a:rPr lang="pl-PL"/>
+              <a:t>W </a:t>
+            </a:r>
+            <a:r>
               <a:rPr lang="pl-PL" dirty="0"/>
-              <a:t>W reprezentacji binarnej:</a:t>
+              <a:t>reprezentacji binarnej:</a:t>
             </a:r>
           </a:p>
           <a:p>
@@ -3818,7 +3798,7 @@
               <a:buNone/>
             </a:pPr>
             <a:r>
-              <a:rPr lang="pl-PL" b="1" dirty="0"/>
+              <a:rPr lang="pl-PL" b="1"/>
               <a:t>11000000.10101000.00000000.00000001</a:t>
             </a:r>
             <a:endParaRPr lang="pl-PL" dirty="0"/>
